--- a/14appshed/04 Mobile APP Development Lesson peer assess.pptx
+++ b/14appshed/04 Mobile APP Development Lesson peer assess.pptx
@@ -114,7 +114,7 @@
   </p:defaultTextStyle>
   <p:extLst>
     <p:ext uri="{EFAFB233-063F-42B5-8137-9DF3F51BA10A}">
-      <p15:sldGuideLst xmlns="" xmlns:p15="http://schemas.microsoft.com/office/powerpoint/2012/main"/>
+      <p15:sldGuideLst xmlns:p15="http://schemas.microsoft.com/office/powerpoint/2012/main" xmlns=""/>
     </p:ext>
   </p:extLst>
 </p:presentation>
@@ -203,7 +203,7 @@
             <a:fld id="{FB4EF173-EE73-4BAD-8A5E-AB9217A9A545}" type="datetimeFigureOut">
               <a:rPr lang="en-GB" smtClean="0"/>
               <a:pPr/>
-              <a:t>02/06/2016</a:t>
+              <a:t>10/12/2016</a:t>
             </a:fld>
             <a:endParaRPr lang="en-GB"/>
           </a:p>
@@ -372,7 +372,7 @@
     </p:spTree>
     <p:extLst>
       <p:ext uri="{BB962C8B-B14F-4D97-AF65-F5344CB8AC3E}">
-        <p14:creationId xmlns="" xmlns:p14="http://schemas.microsoft.com/office/powerpoint/2010/main" val="1207339325"/>
+        <p14:creationId xmlns:p14="http://schemas.microsoft.com/office/powerpoint/2010/main" xmlns="" val="1207339325"/>
       </p:ext>
     </p:extLst>
   </p:cSld>
@@ -604,7 +604,7 @@
             <a:fld id="{EA9755EE-16FB-420F-8F56-F1FDA8C730B5}" type="datetimeFigureOut">
               <a:rPr lang="en-GB" smtClean="0"/>
               <a:pPr/>
-              <a:t>02/06/2016</a:t>
+              <a:t>10/12/2016</a:t>
             </a:fld>
             <a:endParaRPr lang="en-GB"/>
           </a:p>
@@ -656,7 +656,7 @@
     </p:spTree>
     <p:extLst>
       <p:ext uri="{BB962C8B-B14F-4D97-AF65-F5344CB8AC3E}">
-        <p14:creationId xmlns="" xmlns:p14="http://schemas.microsoft.com/office/powerpoint/2010/main" val="1471137086"/>
+        <p14:creationId xmlns:p14="http://schemas.microsoft.com/office/powerpoint/2010/main" xmlns="" val="1471137086"/>
       </p:ext>
     </p:extLst>
   </p:cSld>
@@ -776,7 +776,7 @@
             <a:fld id="{EA9755EE-16FB-420F-8F56-F1FDA8C730B5}" type="datetimeFigureOut">
               <a:rPr lang="en-GB" smtClean="0"/>
               <a:pPr/>
-              <a:t>02/06/2016</a:t>
+              <a:t>10/12/2016</a:t>
             </a:fld>
             <a:endParaRPr lang="en-GB"/>
           </a:p>
@@ -828,7 +828,7 @@
     </p:spTree>
     <p:extLst>
       <p:ext uri="{BB962C8B-B14F-4D97-AF65-F5344CB8AC3E}">
-        <p14:creationId xmlns="" xmlns:p14="http://schemas.microsoft.com/office/powerpoint/2010/main" val="1905983469"/>
+        <p14:creationId xmlns:p14="http://schemas.microsoft.com/office/powerpoint/2010/main" xmlns="" val="1905983469"/>
       </p:ext>
     </p:extLst>
   </p:cSld>
@@ -958,7 +958,7 @@
             <a:fld id="{EA9755EE-16FB-420F-8F56-F1FDA8C730B5}" type="datetimeFigureOut">
               <a:rPr lang="en-GB" smtClean="0"/>
               <a:pPr/>
-              <a:t>02/06/2016</a:t>
+              <a:t>10/12/2016</a:t>
             </a:fld>
             <a:endParaRPr lang="en-GB"/>
           </a:p>
@@ -1010,7 +1010,7 @@
     </p:spTree>
     <p:extLst>
       <p:ext uri="{BB962C8B-B14F-4D97-AF65-F5344CB8AC3E}">
-        <p14:creationId xmlns="" xmlns:p14="http://schemas.microsoft.com/office/powerpoint/2010/main" val="2065299772"/>
+        <p14:creationId xmlns:p14="http://schemas.microsoft.com/office/powerpoint/2010/main" xmlns="" val="2065299772"/>
       </p:ext>
     </p:extLst>
   </p:cSld>
@@ -1130,7 +1130,7 @@
             <a:fld id="{EA9755EE-16FB-420F-8F56-F1FDA8C730B5}" type="datetimeFigureOut">
               <a:rPr lang="en-GB" smtClean="0"/>
               <a:pPr/>
-              <a:t>02/06/2016</a:t>
+              <a:t>10/12/2016</a:t>
             </a:fld>
             <a:endParaRPr lang="en-GB"/>
           </a:p>
@@ -1182,7 +1182,7 @@
     </p:spTree>
     <p:extLst>
       <p:ext uri="{BB962C8B-B14F-4D97-AF65-F5344CB8AC3E}">
-        <p14:creationId xmlns="" xmlns:p14="http://schemas.microsoft.com/office/powerpoint/2010/main" val="2034421332"/>
+        <p14:creationId xmlns:p14="http://schemas.microsoft.com/office/powerpoint/2010/main" xmlns="" val="2034421332"/>
       </p:ext>
     </p:extLst>
   </p:cSld>
@@ -1378,7 +1378,7 @@
             <a:fld id="{EA9755EE-16FB-420F-8F56-F1FDA8C730B5}" type="datetimeFigureOut">
               <a:rPr lang="en-GB" smtClean="0"/>
               <a:pPr/>
-              <a:t>02/06/2016</a:t>
+              <a:t>10/12/2016</a:t>
             </a:fld>
             <a:endParaRPr lang="en-GB"/>
           </a:p>
@@ -1430,7 +1430,7 @@
     </p:spTree>
     <p:extLst>
       <p:ext uri="{BB962C8B-B14F-4D97-AF65-F5344CB8AC3E}">
-        <p14:creationId xmlns="" xmlns:p14="http://schemas.microsoft.com/office/powerpoint/2010/main" val="1110019855"/>
+        <p14:creationId xmlns:p14="http://schemas.microsoft.com/office/powerpoint/2010/main" xmlns="" val="1110019855"/>
       </p:ext>
     </p:extLst>
   </p:cSld>
@@ -1612,7 +1612,7 @@
             <a:fld id="{EA9755EE-16FB-420F-8F56-F1FDA8C730B5}" type="datetimeFigureOut">
               <a:rPr lang="en-GB" smtClean="0"/>
               <a:pPr/>
-              <a:t>02/06/2016</a:t>
+              <a:t>10/12/2016</a:t>
             </a:fld>
             <a:endParaRPr lang="en-GB"/>
           </a:p>
@@ -1664,7 +1664,7 @@
     </p:spTree>
     <p:extLst>
       <p:ext uri="{BB962C8B-B14F-4D97-AF65-F5344CB8AC3E}">
-        <p14:creationId xmlns="" xmlns:p14="http://schemas.microsoft.com/office/powerpoint/2010/main" val="279895687"/>
+        <p14:creationId xmlns:p14="http://schemas.microsoft.com/office/powerpoint/2010/main" xmlns="" val="279895687"/>
       </p:ext>
     </p:extLst>
   </p:cSld>
@@ -1981,7 +1981,7 @@
             <a:fld id="{EA9755EE-16FB-420F-8F56-F1FDA8C730B5}" type="datetimeFigureOut">
               <a:rPr lang="en-GB" smtClean="0"/>
               <a:pPr/>
-              <a:t>02/06/2016</a:t>
+              <a:t>10/12/2016</a:t>
             </a:fld>
             <a:endParaRPr lang="en-GB"/>
           </a:p>
@@ -2033,7 +2033,7 @@
     </p:spTree>
     <p:extLst>
       <p:ext uri="{BB962C8B-B14F-4D97-AF65-F5344CB8AC3E}">
-        <p14:creationId xmlns="" xmlns:p14="http://schemas.microsoft.com/office/powerpoint/2010/main" val="3266156182"/>
+        <p14:creationId xmlns:p14="http://schemas.microsoft.com/office/powerpoint/2010/main" xmlns="" val="3266156182"/>
       </p:ext>
     </p:extLst>
   </p:cSld>
@@ -2101,7 +2101,7 @@
             <a:fld id="{EA9755EE-16FB-420F-8F56-F1FDA8C730B5}" type="datetimeFigureOut">
               <a:rPr lang="en-GB" smtClean="0"/>
               <a:pPr/>
-              <a:t>02/06/2016</a:t>
+              <a:t>10/12/2016</a:t>
             </a:fld>
             <a:endParaRPr lang="en-GB"/>
           </a:p>
@@ -2153,7 +2153,7 @@
     </p:spTree>
     <p:extLst>
       <p:ext uri="{BB962C8B-B14F-4D97-AF65-F5344CB8AC3E}">
-        <p14:creationId xmlns="" xmlns:p14="http://schemas.microsoft.com/office/powerpoint/2010/main" val="269646364"/>
+        <p14:creationId xmlns:p14="http://schemas.microsoft.com/office/powerpoint/2010/main" xmlns="" val="269646364"/>
       </p:ext>
     </p:extLst>
   </p:cSld>
@@ -2198,7 +2198,7 @@
             <a:fld id="{EA9755EE-16FB-420F-8F56-F1FDA8C730B5}" type="datetimeFigureOut">
               <a:rPr lang="en-GB" smtClean="0"/>
               <a:pPr/>
-              <a:t>02/06/2016</a:t>
+              <a:t>10/12/2016</a:t>
             </a:fld>
             <a:endParaRPr lang="en-GB"/>
           </a:p>
@@ -2250,7 +2250,7 @@
     </p:spTree>
     <p:extLst>
       <p:ext uri="{BB962C8B-B14F-4D97-AF65-F5344CB8AC3E}">
-        <p14:creationId xmlns="" xmlns:p14="http://schemas.microsoft.com/office/powerpoint/2010/main" val="1653270506"/>
+        <p14:creationId xmlns:p14="http://schemas.microsoft.com/office/powerpoint/2010/main" xmlns="" val="1653270506"/>
       </p:ext>
     </p:extLst>
   </p:cSld>
@@ -2477,7 +2477,7 @@
             <a:fld id="{EA9755EE-16FB-420F-8F56-F1FDA8C730B5}" type="datetimeFigureOut">
               <a:rPr lang="en-GB" smtClean="0"/>
               <a:pPr/>
-              <a:t>02/06/2016</a:t>
+              <a:t>10/12/2016</a:t>
             </a:fld>
             <a:endParaRPr lang="en-GB"/>
           </a:p>
@@ -2529,7 +2529,7 @@
     </p:spTree>
     <p:extLst>
       <p:ext uri="{BB962C8B-B14F-4D97-AF65-F5344CB8AC3E}">
-        <p14:creationId xmlns="" xmlns:p14="http://schemas.microsoft.com/office/powerpoint/2010/main" val="2788355770"/>
+        <p14:creationId xmlns:p14="http://schemas.microsoft.com/office/powerpoint/2010/main" xmlns="" val="2788355770"/>
       </p:ext>
     </p:extLst>
   </p:cSld>
@@ -2732,7 +2732,7 @@
             <a:fld id="{EA9755EE-16FB-420F-8F56-F1FDA8C730B5}" type="datetimeFigureOut">
               <a:rPr lang="en-GB" smtClean="0"/>
               <a:pPr/>
-              <a:t>02/06/2016</a:t>
+              <a:t>10/12/2016</a:t>
             </a:fld>
             <a:endParaRPr lang="en-GB"/>
           </a:p>
@@ -2784,7 +2784,7 @@
     </p:spTree>
     <p:extLst>
       <p:ext uri="{BB962C8B-B14F-4D97-AF65-F5344CB8AC3E}">
-        <p14:creationId xmlns="" xmlns:p14="http://schemas.microsoft.com/office/powerpoint/2010/main" val="1966819057"/>
+        <p14:creationId xmlns:p14="http://schemas.microsoft.com/office/powerpoint/2010/main" xmlns="" val="1966819057"/>
       </p:ext>
     </p:extLst>
   </p:cSld>
@@ -2952,7 +2952,7 @@
             <a:fld id="{EA9755EE-16FB-420F-8F56-F1FDA8C730B5}" type="datetimeFigureOut">
               <a:rPr lang="en-GB" smtClean="0"/>
               <a:pPr/>
-              <a:t>02/06/2016</a:t>
+              <a:t>10/12/2016</a:t>
             </a:fld>
             <a:endParaRPr lang="en-GB" dirty="0"/>
           </a:p>
@@ -3044,7 +3044,7 @@
     </p:spTree>
     <p:extLst>
       <p:ext uri="{BB962C8B-B14F-4D97-AF65-F5344CB8AC3E}">
-        <p14:creationId xmlns="" xmlns:p14="http://schemas.microsoft.com/office/powerpoint/2010/main" val="1023516090"/>
+        <p14:creationId xmlns:p14="http://schemas.microsoft.com/office/powerpoint/2010/main" xmlns="" val="1023516090"/>
       </p:ext>
     </p:extLst>
   </p:cSld>
@@ -3417,7 +3417,7 @@
     </p:spTree>
     <p:extLst>
       <p:ext uri="{BB962C8B-B14F-4D97-AF65-F5344CB8AC3E}">
-        <p14:creationId xmlns="" xmlns:p14="http://schemas.microsoft.com/office/powerpoint/2010/main" val="1696604892"/>
+        <p14:creationId xmlns:p14="http://schemas.microsoft.com/office/powerpoint/2010/main" xmlns="" val="1696604892"/>
       </p:ext>
     </p:extLst>
   </p:cSld>
@@ -3533,7 +3533,7 @@
     </p:spTree>
     <p:extLst>
       <p:ext uri="{BB962C8B-B14F-4D97-AF65-F5344CB8AC3E}">
-        <p14:creationId xmlns="" xmlns:p14="http://schemas.microsoft.com/office/powerpoint/2010/main" val="2380429020"/>
+        <p14:creationId xmlns:p14="http://schemas.microsoft.com/office/powerpoint/2010/main" xmlns="" val="2380429020"/>
       </p:ext>
     </p:extLst>
   </p:cSld>
@@ -3592,10 +3592,10 @@
           <p:nvPr/>
         </p:nvPicPr>
         <p:blipFill>
-          <a:blip r:embed="rId2" cstate="print">
+          <a:blip r:embed="rId2" cstate="email">
             <a:extLst>
               <a:ext uri="{28A0092B-C50C-407E-A947-70E740481C1C}">
-                <a14:useLocalDpi xmlns="" xmlns:a14="http://schemas.microsoft.com/office/drawing/2010/main" val="0"/>
+                <a14:useLocalDpi xmlns:a14="http://schemas.microsoft.com/office/drawing/2010/main" xmlns="" val="0"/>
               </a:ext>
             </a:extLst>
           </a:blip>
@@ -3615,7 +3615,7 @@
           <a:noFill/>
           <a:extLst>
             <a:ext uri="{909E8E84-426E-40DD-AFC4-6F175D3DCCD1}">
-              <a14:hiddenFill xmlns="" xmlns:a14="http://schemas.microsoft.com/office/drawing/2010/main">
+              <a14:hiddenFill xmlns:a14="http://schemas.microsoft.com/office/drawing/2010/main" xmlns="">
                 <a:solidFill>
                   <a:srgbClr val="FFFFFF"/>
                 </a:solidFill>
@@ -3633,10 +3633,10 @@
           <p:nvPr/>
         </p:nvPicPr>
         <p:blipFill>
-          <a:blip r:embed="rId3" cstate="print">
+          <a:blip r:embed="rId3" cstate="email">
             <a:extLst>
               <a:ext uri="{28A0092B-C50C-407E-A947-70E740481C1C}">
-                <a14:useLocalDpi xmlns="" xmlns:a14="http://schemas.microsoft.com/office/drawing/2010/main" val="0"/>
+                <a14:useLocalDpi xmlns:a14="http://schemas.microsoft.com/office/drawing/2010/main" xmlns="" val="0"/>
               </a:ext>
             </a:extLst>
           </a:blip>
@@ -3656,7 +3656,7 @@
           <a:noFill/>
           <a:extLst>
             <a:ext uri="{909E8E84-426E-40DD-AFC4-6F175D3DCCD1}">
-              <a14:hiddenFill xmlns="" xmlns:a14="http://schemas.microsoft.com/office/drawing/2010/main">
+              <a14:hiddenFill xmlns:a14="http://schemas.microsoft.com/office/drawing/2010/main" xmlns="">
                 <a:solidFill>
                   <a:srgbClr val="FFFFFF"/>
                 </a:solidFill>
@@ -3728,7 +3728,7 @@
     </p:spTree>
     <p:extLst>
       <p:ext uri="{BB962C8B-B14F-4D97-AF65-F5344CB8AC3E}">
-        <p14:creationId xmlns="" xmlns:p14="http://schemas.microsoft.com/office/powerpoint/2010/main" val="636554509"/>
+        <p14:creationId xmlns:p14="http://schemas.microsoft.com/office/powerpoint/2010/main" xmlns="" val="636554509"/>
       </p:ext>
     </p:extLst>
   </p:cSld>
@@ -3864,7 +3864,7 @@
           <a:noFill/>
           <a:extLst>
             <a:ext uri="{909E8E84-426E-40DD-AFC4-6F175D3DCCD1}">
-              <a14:hiddenFill xmlns="" xmlns:a14="http://schemas.microsoft.com/office/drawing/2010/main">
+              <a14:hiddenFill xmlns:a14="http://schemas.microsoft.com/office/drawing/2010/main" xmlns="">
                 <a:solidFill>
                   <a:srgbClr val="FFFFFF"/>
                 </a:solidFill>
@@ -3893,10 +3893,10 @@
           <p:nvPr/>
         </p:nvPicPr>
         <p:blipFill>
-          <a:blip r:embed="rId2" cstate="print">
+          <a:blip r:embed="rId2" cstate="email">
             <a:extLst>
               <a:ext uri="{28A0092B-C50C-407E-A947-70E740481C1C}">
-                <a14:useLocalDpi xmlns="" xmlns:a14="http://schemas.microsoft.com/office/drawing/2010/main" val="0"/>
+                <a14:useLocalDpi xmlns:a14="http://schemas.microsoft.com/office/drawing/2010/main" xmlns="" val="0"/>
               </a:ext>
             </a:extLst>
           </a:blip>
@@ -3919,14 +3919,14 @@
           </a:ln>
           <a:extLst>
             <a:ext uri="{909E8E84-426E-40DD-AFC4-6F175D3DCCD1}">
-              <a14:hiddenFill xmlns="" xmlns:a14="http://schemas.microsoft.com/office/drawing/2010/main">
+              <a14:hiddenFill xmlns:a14="http://schemas.microsoft.com/office/drawing/2010/main" xmlns="">
                 <a:solidFill>
                   <a:schemeClr val="accent1"/>
                 </a:solidFill>
               </a14:hiddenFill>
             </a:ext>
             <a:ext uri="{91240B29-F687-4F45-9708-019B960494DF}">
-              <a14:hiddenLine xmlns="" xmlns:a14="http://schemas.microsoft.com/office/drawing/2010/main" w="9525">
+              <a14:hiddenLine xmlns:a14="http://schemas.microsoft.com/office/drawing/2010/main" xmlns="" w="9525">
                 <a:solidFill>
                   <a:schemeClr val="tx1"/>
                 </a:solidFill>
@@ -3941,7 +3941,7 @@
     </p:spTree>
     <p:extLst>
       <p:ext uri="{BB962C8B-B14F-4D97-AF65-F5344CB8AC3E}">
-        <p14:creationId xmlns="" xmlns:p14="http://schemas.microsoft.com/office/powerpoint/2010/main" val="686845275"/>
+        <p14:creationId xmlns:p14="http://schemas.microsoft.com/office/powerpoint/2010/main" xmlns="" val="686845275"/>
       </p:ext>
     </p:extLst>
   </p:cSld>
@@ -4025,17 +4025,8 @@
             </a:pPr>
             <a:r>
               <a:rPr lang="en-GB" sz="2000" dirty="0" smtClean="0"/>
-              <a:t>Using the feedback forms on the </a:t>
-            </a:r>
-            <a:r>
-              <a:rPr lang="en-GB" sz="2000" dirty="0" smtClean="0"/>
-              <a:t>website</a:t>
-            </a:r>
-            <a:r>
-              <a:rPr lang="en-GB" sz="2000" dirty="0" smtClean="0"/>
-              <a:t>:</a:t>
-            </a:r>
-            <a:endParaRPr lang="en-GB" sz="2000" dirty="0" smtClean="0"/>
+              <a:t>Using the feedback forms on the website:</a:t>
+            </a:r>
           </a:p>
           <a:p>
             <a:pPr marL="0" indent="0">
@@ -4088,10 +4079,10 @@
           <p:nvPr/>
         </p:nvPicPr>
         <p:blipFill>
-          <a:blip r:embed="rId2" cstate="print">
+          <a:blip r:embed="rId2" cstate="email">
             <a:extLst>
               <a:ext uri="{28A0092B-C50C-407E-A947-70E740481C1C}">
-                <a14:useLocalDpi xmlns="" xmlns:a14="http://schemas.microsoft.com/office/drawing/2010/main" val="0"/>
+                <a14:useLocalDpi xmlns:a14="http://schemas.microsoft.com/office/drawing/2010/main" xmlns="" val="0"/>
               </a:ext>
             </a:extLst>
           </a:blip>
@@ -4114,14 +4105,14 @@
           </a:ln>
           <a:extLst>
             <a:ext uri="{909E8E84-426E-40DD-AFC4-6F175D3DCCD1}">
-              <a14:hiddenFill xmlns="" xmlns:a14="http://schemas.microsoft.com/office/drawing/2010/main">
+              <a14:hiddenFill xmlns:a14="http://schemas.microsoft.com/office/drawing/2010/main" xmlns="">
                 <a:solidFill>
                   <a:schemeClr val="accent1"/>
                 </a:solidFill>
               </a14:hiddenFill>
             </a:ext>
             <a:ext uri="{91240B29-F687-4F45-9708-019B960494DF}">
-              <a14:hiddenLine xmlns="" xmlns:a14="http://schemas.microsoft.com/office/drawing/2010/main" w="9525">
+              <a14:hiddenLine xmlns:a14="http://schemas.microsoft.com/office/drawing/2010/main" xmlns="" w="9525">
                 <a:solidFill>
                   <a:schemeClr val="tx1"/>
                 </a:solidFill>
@@ -4161,15 +4152,7 @@
                   <a:srgbClr val="990099"/>
                 </a:solidFill>
               </a:rPr>
-              <a:t>Sheet needed – </a:t>
-            </a:r>
-            <a:r>
-              <a:rPr lang="en-GB" sz="2000" b="1" dirty="0" smtClean="0">
-                <a:solidFill>
-                  <a:srgbClr val="990099"/>
-                </a:solidFill>
-              </a:rPr>
-              <a:t>Peer Assessment Feedback</a:t>
+              <a:t>Sheet needed – Peer Assessment Feedback</a:t>
             </a:r>
             <a:endParaRPr lang="en-GB" sz="2000" b="1" dirty="0">
               <a:solidFill>
@@ -4182,7 +4165,7 @@
     </p:spTree>
     <p:extLst>
       <p:ext uri="{BB962C8B-B14F-4D97-AF65-F5344CB8AC3E}">
-        <p14:creationId xmlns="" xmlns:p14="http://schemas.microsoft.com/office/powerpoint/2010/main" val="3729987865"/>
+        <p14:creationId xmlns:p14="http://schemas.microsoft.com/office/powerpoint/2010/main" xmlns="" val="3729987865"/>
       </p:ext>
     </p:extLst>
   </p:cSld>
@@ -4269,11 +4252,7 @@
             </a:pPr>
             <a:r>
               <a:rPr lang="en-GB" sz="2400" dirty="0" smtClean="0"/>
-              <a:t>Once you have completed this fill in the SCREENSHOT </a:t>
-            </a:r>
-            <a:r>
-              <a:rPr lang="en-GB" sz="2400" dirty="0" smtClean="0"/>
-              <a:t>document on </a:t>
+              <a:t>Once you have completed this fill in the SCREENSHOT document on </a:t>
             </a:r>
             <a:r>
               <a:rPr lang="en-GB" sz="2400" smtClean="0"/>
@@ -4302,7 +4281,7 @@
           <a:noFill/>
           <a:extLst>
             <a:ext uri="{909E8E84-426E-40DD-AFC4-6F175D3DCCD1}">
-              <a14:hiddenFill xmlns="" xmlns:a14="http://schemas.microsoft.com/office/drawing/2010/main">
+              <a14:hiddenFill xmlns:a14="http://schemas.microsoft.com/office/drawing/2010/main" xmlns="">
                 <a:solidFill>
                   <a:srgbClr val="FFFFFF"/>
                 </a:solidFill>
@@ -4331,10 +4310,10 @@
           <p:nvPr/>
         </p:nvPicPr>
         <p:blipFill>
-          <a:blip r:embed="rId2" cstate="print">
+          <a:blip r:embed="rId2" cstate="email">
             <a:extLst>
               <a:ext uri="{28A0092B-C50C-407E-A947-70E740481C1C}">
-                <a14:useLocalDpi xmlns="" xmlns:a14="http://schemas.microsoft.com/office/drawing/2010/main" val="0"/>
+                <a14:useLocalDpi xmlns:a14="http://schemas.microsoft.com/office/drawing/2010/main" xmlns="" val="0"/>
               </a:ext>
             </a:extLst>
           </a:blip>
@@ -4357,14 +4336,14 @@
           </a:ln>
           <a:extLst>
             <a:ext uri="{909E8E84-426E-40DD-AFC4-6F175D3DCCD1}">
-              <a14:hiddenFill xmlns="" xmlns:a14="http://schemas.microsoft.com/office/drawing/2010/main">
+              <a14:hiddenFill xmlns:a14="http://schemas.microsoft.com/office/drawing/2010/main" xmlns="">
                 <a:solidFill>
                   <a:schemeClr val="accent1"/>
                 </a:solidFill>
               </a14:hiddenFill>
             </a:ext>
             <a:ext uri="{91240B29-F687-4F45-9708-019B960494DF}">
-              <a14:hiddenLine xmlns="" xmlns:a14="http://schemas.microsoft.com/office/drawing/2010/main" w="9525">
+              <a14:hiddenLine xmlns:a14="http://schemas.microsoft.com/office/drawing/2010/main" xmlns="" w="9525">
                 <a:solidFill>
                   <a:schemeClr val="tx1"/>
                 </a:solidFill>
@@ -4417,7 +4396,7 @@
     </p:spTree>
     <p:extLst>
       <p:ext uri="{BB962C8B-B14F-4D97-AF65-F5344CB8AC3E}">
-        <p14:creationId xmlns="" xmlns:p14="http://schemas.microsoft.com/office/powerpoint/2010/main" val="4017362152"/>
+        <p14:creationId xmlns:p14="http://schemas.microsoft.com/office/powerpoint/2010/main" xmlns="" val="4017362152"/>
       </p:ext>
     </p:extLst>
   </p:cSld>
@@ -4682,7 +4661,7 @@
   <a:extraClrSchemeLst/>
   <a:extLst>
     <a:ext uri="{05A4C25C-085E-4340-85A3-A5531E510DB2}">
-      <thm15:themeFamily xmlns="" xmlns:thm15="http://schemas.microsoft.com/office/thememl/2012/main" name="Office Theme" id="{62F939B6-93AF-4DB8-9C6B-D6C7DFDC589F}" vid="{4A3C46E8-61CC-4603-A589-7422A47A8E4A}"/>
+      <thm15:themeFamily xmlns:thm15="http://schemas.microsoft.com/office/thememl/2012/main" xmlns="" name="Office Theme" id="{62F939B6-93AF-4DB8-9C6B-D6C7DFDC589F}" vid="{4A3C46E8-61CC-4603-A589-7422A47A8E4A}"/>
     </a:ext>
   </a:extLst>
 </a:theme>
@@ -4943,7 +4922,7 @@
   <a:extraClrSchemeLst/>
   <a:extLst>
     <a:ext uri="{05A4C25C-085E-4340-85A3-A5531E510DB2}">
-      <thm15:themeFamily xmlns="" xmlns:thm15="http://schemas.microsoft.com/office/thememl/2012/main" name="Office Theme" id="{62F939B6-93AF-4DB8-9C6B-D6C7DFDC589F}" vid="{4A3C46E8-61CC-4603-A589-7422A47A8E4A}"/>
+      <thm15:themeFamily xmlns:thm15="http://schemas.microsoft.com/office/thememl/2012/main" xmlns="" name="Office Theme" id="{62F939B6-93AF-4DB8-9C6B-D6C7DFDC589F}" vid="{4A3C46E8-61CC-4603-A589-7422A47A8E4A}"/>
     </a:ext>
   </a:extLst>
 </a:theme>
